--- a/Azure1/documentation/Microsoft azure - WBT-Azure.pptx
+++ b/Azure1/documentation/Microsoft azure - WBT-Azure.pptx
@@ -9743,9 +9743,6 @@
             </a:r>
             <a:r>
               <a:rPr lang="en-US" b="0" i="0" dirty="0">
-                <a:solidFill>
-                  <a:srgbClr val="000000"/>
-                </a:solidFill>
                 <a:effectLst/>
                 <a:latin typeface="Georgia" panose="02040502050405020303" pitchFamily="18" charset="0"/>
               </a:rPr>
